--- a/02 - Fundamentals/Common/00. Language Comparison.pptx
+++ b/02 - Fundamentals/Common/00. Language Comparison.pptx
@@ -345,7 +345,7 @@
           <a:p>
             <a:fld id="{4E087215-0C8F-4762-A664-737A353EC9A4}" type="datetimeFigureOut">
               <a:rPr lang="bg-BG" smtClean="0"/>
-              <a:t>14.9.2020 г.</a:t>
+              <a:t>11.4.2021 г.</a:t>
             </a:fld>
             <a:endParaRPr lang="bg-BG"/>
           </a:p>
@@ -536,7 +536,7 @@
           <a:p>
             <a:fld id="{72D84649-876A-46C9-8472-14CB09C070D8}" type="datetimeFigureOut">
               <a:rPr lang="en-US" smtClean="0"/>
-              <a:t>14-Sep-20</a:t>
+              <a:t>11-Apr-21</a:t>
             </a:fld>
             <a:endParaRPr lang="en-US"/>
           </a:p>
@@ -13597,7 +13597,7 @@
         </p:spPr>
         <p:txBody>
           <a:bodyPr>
-            <a:normAutofit lnSpcReduction="10000"/>
+            <a:normAutofit/>
           </a:bodyPr>
           <a:lstStyle/>
           <a:p>
@@ -13697,23 +13697,6 @@
                 <a:latin typeface="Consolas" panose="020B0609020204030204" pitchFamily="49" charset="0"/>
               </a:rPr>
               <a:t>boolean</a:t>
-            </a:r>
-            <a:endParaRPr lang="en-US" noProof="1"/>
-          </a:p>
-          <a:p>
-            <a:pPr lvl="1">
-              <a:buClr>
-                <a:schemeClr val="tx1"/>
-              </a:buClr>
-            </a:pPr>
-            <a:r>
-              <a:rPr lang="en-US" b="1" dirty="0">
-                <a:solidFill>
-                  <a:schemeClr val="bg1"/>
-                </a:solidFill>
-                <a:latin typeface="Consolas" panose="020B0609020204030204" pitchFamily="49" charset="0"/>
-              </a:rPr>
-              <a:t>object</a:t>
             </a:r>
             <a:endParaRPr lang="en-US" dirty="0"/>
           </a:p>
@@ -13834,8 +13817,8 @@
         </p:nvSpPr>
         <p:spPr bwMode="auto">
           <a:xfrm>
-            <a:off x="5487210" y="3114000"/>
-            <a:ext cx="4674253" cy="3188153"/>
+            <a:off x="5466000" y="3114000"/>
+            <a:ext cx="5400000" cy="3188153"/>
           </a:xfrm>
           <a:prstGeom prst="rect">
             <a:avLst/>
@@ -13986,7 +13969,7 @@
               <a:rPr lang="en-US" sz="2800" b="1" noProof="1">
                 <a:latin typeface="Consolas" pitchFamily="49" charset="0"/>
               </a:rPr>
-              <a:t> arr = [3, 5, 8];</a:t>
+              <a:t> isValid = true;</a:t>
             </a:r>
           </a:p>
           <a:p>
@@ -13999,7 +13982,7 @@
               <a:rPr lang="en-US" sz="2800" b="1" noProof="1">
                 <a:latin typeface="Consolas" pitchFamily="49" charset="0"/>
               </a:rPr>
-              <a:t>typeof(arr) </a:t>
+              <a:t>typeof(isValid) </a:t>
             </a:r>
             <a:r>
               <a:rPr lang="en-US" sz="2800" b="1" noProof="1">
@@ -14016,7 +13999,7 @@
                 <a:latin typeface="Consolas" pitchFamily="49" charset="0"/>
                 <a:sym typeface="Wingdings" panose="05000000000000000000" pitchFamily="2" charset="2"/>
               </a:rPr>
-              <a:t>object</a:t>
+              <a:t>boolean</a:t>
             </a:r>
             <a:endParaRPr lang="bg-BG" sz="2800" b="1" noProof="1">
               <a:latin typeface="Consolas" pitchFamily="49" charset="0"/>
@@ -14320,64 +14303,15 @@
                                   </p:childTnLst>
                                 </p:cTn>
                               </p:par>
-                            </p:childTnLst>
-                          </p:cTn>
-                        </p:par>
-                      </p:childTnLst>
-                    </p:cTn>
-                  </p:par>
-                  <p:par>
-                    <p:cTn id="25" fill="hold">
-                      <p:stCondLst>
-                        <p:cond delay="indefinite"/>
-                      </p:stCondLst>
-                      <p:childTnLst>
-                        <p:par>
-                          <p:cTn id="26" fill="hold">
-                            <p:stCondLst>
-                              <p:cond delay="0"/>
-                            </p:stCondLst>
-                            <p:childTnLst>
                               <p:par>
-                                <p:cTn id="27" presetID="1" presetClass="entr" presetSubtype="0" fill="hold" nodeType="clickEffect">
+                                <p:cTn id="25" presetID="1" presetClass="entr" presetSubtype="0" fill="hold" grpId="0" nodeType="withEffect">
                                   <p:stCondLst>
                                     <p:cond delay="0"/>
                                   </p:stCondLst>
                                   <p:childTnLst>
                                     <p:set>
                                       <p:cBhvr>
-                                        <p:cTn id="28" dur="1" fill="hold">
-                                          <p:stCondLst>
-                                            <p:cond delay="0"/>
-                                          </p:stCondLst>
-                                        </p:cTn>
-                                        <p:tgtEl>
-                                          <p:spTgt spid="3">
-                                            <p:txEl>
-                                              <p:pRg st="8" end="8"/>
-                                            </p:txEl>
-                                          </p:spTgt>
-                                        </p:tgtEl>
-                                        <p:attrNameLst>
-                                          <p:attrName>style.visibility</p:attrName>
-                                        </p:attrNameLst>
-                                      </p:cBhvr>
-                                      <p:to>
-                                        <p:strVal val="visible"/>
-                                      </p:to>
-                                    </p:set>
-                                  </p:childTnLst>
-                                </p:cTn>
-                              </p:par>
-                              <p:par>
-                                <p:cTn id="29" presetID="1" presetClass="entr" presetSubtype="0" fill="hold" grpId="0" nodeType="withEffect">
-                                  <p:stCondLst>
-                                    <p:cond delay="0"/>
-                                  </p:stCondLst>
-                                  <p:childTnLst>
-                                    <p:set>
-                                      <p:cBhvr>
-                                        <p:cTn id="30" dur="1" fill="hold">
+                                        <p:cTn id="26" dur="1" fill="hold">
                                           <p:stCondLst>
                                             <p:cond delay="0"/>
                                           </p:stCondLst>
@@ -14397,14 +14331,14 @@
                                 </p:cTn>
                               </p:par>
                               <p:par>
-                                <p:cTn id="31" presetID="1" presetClass="entr" presetSubtype="0" fill="hold" nodeType="withEffect">
+                                <p:cTn id="27" presetID="1" presetClass="entr" presetSubtype="0" fill="hold" nodeType="withEffect">
                                   <p:stCondLst>
                                     <p:cond delay="0"/>
                                   </p:stCondLst>
                                   <p:childTnLst>
                                     <p:set>
                                       <p:cBhvr>
-                                        <p:cTn id="32" dur="1" fill="hold">
+                                        <p:cTn id="28" dur="1" fill="hold">
                                           <p:stCondLst>
                                             <p:cond delay="0"/>
                                           </p:stCondLst>
@@ -14428,14 +14362,14 @@
                                 </p:cTn>
                               </p:par>
                               <p:par>
-                                <p:cTn id="33" presetID="1" presetClass="entr" presetSubtype="0" fill="hold" nodeType="withEffect">
+                                <p:cTn id="29" presetID="1" presetClass="entr" presetSubtype="0" fill="hold" nodeType="withEffect">
                                   <p:stCondLst>
                                     <p:cond delay="0"/>
                                   </p:stCondLst>
                                   <p:childTnLst>
                                     <p:set>
                                       <p:cBhvr>
-                                        <p:cTn id="34" dur="1" fill="hold">
+                                        <p:cTn id="30" dur="1" fill="hold">
                                           <p:stCondLst>
                                             <p:cond delay="0"/>
                                           </p:stCondLst>
@@ -14465,26 +14399,26 @@
                     </p:cTn>
                   </p:par>
                   <p:par>
-                    <p:cTn id="35" fill="hold">
+                    <p:cTn id="31" fill="hold">
                       <p:stCondLst>
                         <p:cond delay="indefinite"/>
                       </p:stCondLst>
                       <p:childTnLst>
                         <p:par>
-                          <p:cTn id="36" fill="hold">
+                          <p:cTn id="32" fill="hold">
                             <p:stCondLst>
                               <p:cond delay="0"/>
                             </p:stCondLst>
                             <p:childTnLst>
                               <p:par>
-                                <p:cTn id="37" presetID="1" presetClass="entr" presetSubtype="0" fill="hold" nodeType="clickEffect">
+                                <p:cTn id="33" presetID="1" presetClass="entr" presetSubtype="0" fill="hold" nodeType="clickEffect">
                                   <p:stCondLst>
                                     <p:cond delay="0"/>
                                   </p:stCondLst>
                                   <p:childTnLst>
                                     <p:set>
                                       <p:cBhvr>
-                                        <p:cTn id="38" dur="1" fill="hold">
+                                        <p:cTn id="34" dur="1" fill="hold">
                                           <p:stCondLst>
                                             <p:cond delay="0"/>
                                           </p:stCondLst>
@@ -14508,14 +14442,14 @@
                                 </p:cTn>
                               </p:par>
                               <p:par>
-                                <p:cTn id="39" presetID="1" presetClass="entr" presetSubtype="0" fill="hold" nodeType="withEffect">
+                                <p:cTn id="35" presetID="1" presetClass="entr" presetSubtype="0" fill="hold" nodeType="withEffect">
                                   <p:stCondLst>
                                     <p:cond delay="0"/>
                                   </p:stCondLst>
                                   <p:childTnLst>
                                     <p:set>
                                       <p:cBhvr>
-                                        <p:cTn id="40" dur="1" fill="hold">
+                                        <p:cTn id="36" dur="1" fill="hold">
                                           <p:stCondLst>
                                             <p:cond delay="0"/>
                                           </p:stCondLst>
@@ -14545,26 +14479,26 @@
                     </p:cTn>
                   </p:par>
                   <p:par>
-                    <p:cTn id="41" fill="hold">
+                    <p:cTn id="37" fill="hold">
                       <p:stCondLst>
                         <p:cond delay="indefinite"/>
                       </p:stCondLst>
                       <p:childTnLst>
                         <p:par>
-                          <p:cTn id="42" fill="hold">
+                          <p:cTn id="38" fill="hold">
                             <p:stCondLst>
                               <p:cond delay="0"/>
                             </p:stCondLst>
                             <p:childTnLst>
                               <p:par>
-                                <p:cTn id="43" presetID="1" presetClass="entr" presetSubtype="0" fill="hold" nodeType="clickEffect">
+                                <p:cTn id="39" presetID="1" presetClass="entr" presetSubtype="0" fill="hold" nodeType="clickEffect">
                                   <p:stCondLst>
                                     <p:cond delay="0"/>
                                   </p:stCondLst>
                                   <p:childTnLst>
                                     <p:set>
                                       <p:cBhvr>
-                                        <p:cTn id="44" dur="1" fill="hold">
+                                        <p:cTn id="40" dur="1" fill="hold">
                                           <p:stCondLst>
                                             <p:cond delay="0"/>
                                           </p:stCondLst>
@@ -14588,14 +14522,14 @@
                                 </p:cTn>
                               </p:par>
                               <p:par>
-                                <p:cTn id="45" presetID="1" presetClass="entr" presetSubtype="0" fill="hold" nodeType="withEffect">
+                                <p:cTn id="41" presetID="1" presetClass="entr" presetSubtype="0" fill="hold" nodeType="withEffect">
                                   <p:stCondLst>
                                     <p:cond delay="0"/>
                                   </p:stCondLst>
                                   <p:childTnLst>
                                     <p:set>
                                       <p:cBhvr>
-                                        <p:cTn id="46" dur="1" fill="hold">
+                                        <p:cTn id="42" dur="1" fill="hold">
                                           <p:stCondLst>
                                             <p:cond delay="0"/>
                                           </p:stCondLst>
